--- a/Prezentatsia.pptx
+++ b/Prezentatsia.pptx
@@ -22,14 +22,14 @@
   <p:notesSz cx="6858000" cy="9144000"/>
   <p:embeddedFontLst>
     <p:embeddedFont>
-      <p:font typeface="Lora" panose="020B0604020202020204" charset="-52"/>
+      <p:font typeface="Quattrocento Sans" panose="020B0604020202020204" charset="0"/>
       <p:regular r:id="rId12"/>
       <p:bold r:id="rId13"/>
       <p:italic r:id="rId14"/>
       <p:boldItalic r:id="rId15"/>
     </p:embeddedFont>
     <p:embeddedFont>
-      <p:font typeface="Quattrocento Sans" panose="020B0604020202020204" charset="0"/>
+      <p:font typeface="Lora" panose="020B0604020202020204" charset="-52"/>
       <p:regular r:id="rId16"/>
       <p:bold r:id="rId17"/>
       <p:italic r:id="rId18"/>
@@ -281,7 +281,7 @@
       </p15:sldGuideLst>
     </p:ext>
     <p:ext uri="http://customooxmlschemas.google.com/">
-      <go:slidesCustomData xmlns="" xmlns:mc="http://schemas.openxmlformats.org/markup-compatibility/2006" xmlns:mv="urn:schemas-microsoft-com:mac:vml" xmlns:c="http://schemas.openxmlformats.org/drawingml/2006/chart" xmlns:dgm="http://schemas.openxmlformats.org/drawingml/2006/diagram" xmlns:o="urn:schemas-microsoft-com:office:office" xmlns:v="urn:schemas-microsoft-com:vml" xmlns:pvml="urn:schemas-microsoft-com:office:powerpoint" xmlns:com="http://schemas.openxmlformats.org/drawingml/2006/compatibility" xmlns:p14="http://schemas.microsoft.com/office/powerpoint/2010/main" xmlns:p15="http://schemas.microsoft.com/office/powerpoint/2012/main" xmlns:ahyp="http://schemas.microsoft.com/office/drawing/2018/hyperlinkcolor" xmlns:go="http://customooxmlschemas.google.com/" r:id="rId39" roundtripDataSignature="AMtx7mjU2jFn832e7kSq34X3PLK16YZ9Jw=="/>
+      <go:slidesCustomData xmlns:go="http://customooxmlschemas.google.com/" xmlns:ahyp="http://schemas.microsoft.com/office/drawing/2018/hyperlinkcolor" xmlns:p15="http://schemas.microsoft.com/office/powerpoint/2012/main" xmlns:p14="http://schemas.microsoft.com/office/powerpoint/2010/main" xmlns:com="http://schemas.openxmlformats.org/drawingml/2006/compatibility" xmlns:pvml="urn:schemas-microsoft-com:office:powerpoint" xmlns:v="urn:schemas-microsoft-com:vml" xmlns:o="urn:schemas-microsoft-com:office:office" xmlns:dgm="http://schemas.openxmlformats.org/drawingml/2006/diagram" xmlns:c="http://schemas.openxmlformats.org/drawingml/2006/chart" xmlns:mv="urn:schemas-microsoft-com:mac:vml" xmlns:mc="http://schemas.openxmlformats.org/markup-compatibility/2006" xmlns="" r:id="rId39" roundtripDataSignature="AMtx7mjU2jFn832e7kSq34X3PLK16YZ9Jw=="/>
     </p:ext>
   </p:extLst>
 </p:presentation>
@@ -981,6 +981,22 @@
               <a:buSzPts val="1400"/>
               <a:buNone/>
             </a:pPr>
+            <a:r>
+              <a:rPr lang="ru-RU" dirty="0" smtClean="0"/>
+              <a:t>Проект</a:t>
+            </a:r>
+            <a:r>
+              <a:rPr lang="ru-RU" baseline="0" dirty="0" smtClean="0"/>
+              <a:t> «Личный Кабинет Центра Карьеры Московского </a:t>
+            </a:r>
+            <a:r>
+              <a:rPr lang="ru-RU" baseline="0" dirty="0" err="1" smtClean="0"/>
+              <a:t>Политеха</a:t>
+            </a:r>
+            <a:r>
+              <a:rPr lang="ru-RU" baseline="0" dirty="0" smtClean="0"/>
+              <a:t>» Наконечного П.А.</a:t>
+            </a:r>
             <a:endParaRPr dirty="0"/>
           </a:p>
         </p:txBody>
@@ -1108,6 +1124,41 @@
               <a:buSzPts val="1400"/>
               <a:buNone/>
             </a:pPr>
+            <a:r>
+              <a:rPr lang="ru-RU" dirty="0" smtClean="0"/>
+              <a:t>Целью проекта стало модернизировать</a:t>
+            </a:r>
+            <a:r>
+              <a:rPr lang="ru-RU" baseline="0" dirty="0" smtClean="0"/>
+              <a:t> раздел центра карьеры в Личном Кабинете студента и сотрудника Московского </a:t>
+            </a:r>
+            <a:r>
+              <a:rPr lang="ru-RU" baseline="0" dirty="0" err="1" smtClean="0"/>
+              <a:t>Политеха</a:t>
+            </a:r>
+            <a:r>
+              <a:rPr lang="ru-RU" baseline="0" dirty="0" smtClean="0"/>
+              <a:t>. В частности – адаптировать раздел к новому ЛК.</a:t>
+            </a:r>
+          </a:p>
+          <a:p>
+            <a:pPr marL="0" lvl="0" indent="0" algn="l" rtl="0">
+              <a:lnSpc>
+                <a:spcPct val="100000"/>
+              </a:lnSpc>
+              <a:spcBef>
+                <a:spcPts val="0"/>
+              </a:spcBef>
+              <a:spcAft>
+                <a:spcPts val="0"/>
+              </a:spcAft>
+              <a:buSzPts val="1400"/>
+              <a:buNone/>
+            </a:pPr>
+            <a:r>
+              <a:rPr lang="ru-RU" baseline="0" dirty="0" smtClean="0"/>
+              <a:t>Проект необходим для трудоустройства студентов по специальности. Центр Карьеры в стенах университета соединяет студентов и индустриальных партнёров, упрощая поиск работы.</a:t>
+            </a:r>
             <a:endParaRPr dirty="0"/>
           </a:p>
         </p:txBody>
@@ -1235,6 +1286,22 @@
               <a:buSzPts val="1400"/>
               <a:buNone/>
             </a:pPr>
+            <a:r>
+              <a:rPr lang="ru-RU" dirty="0" smtClean="0"/>
+              <a:t>Задачи проекта, обозначенные</a:t>
+            </a:r>
+            <a:r>
+              <a:rPr lang="ru-RU" baseline="0" dirty="0" smtClean="0"/>
+              <a:t> заказчиком,</a:t>
+            </a:r>
+            <a:r>
+              <a:rPr lang="ru-RU" dirty="0" smtClean="0"/>
+              <a:t> совпадают с основными</a:t>
+            </a:r>
+            <a:r>
+              <a:rPr lang="ru-RU" baseline="0" dirty="0" smtClean="0"/>
+              <a:t> техническими фрагментами в рамках ЛК.</a:t>
+            </a:r>
             <a:endParaRPr dirty="0"/>
           </a:p>
         </p:txBody>
@@ -1362,7 +1429,14 @@
               <a:buSzPts val="1400"/>
               <a:buNone/>
             </a:pPr>
-            <a:endParaRPr dirty="0"/>
+            <a:r>
+              <a:rPr lang="ru-RU" dirty="0" smtClean="0"/>
+              <a:t>За время семестра были сформулированы</a:t>
+            </a:r>
+            <a:r>
+              <a:rPr lang="ru-RU" baseline="0" dirty="0" smtClean="0"/>
+              <a:t> требования к решению. Описаны бизнес-процессы заказчика, собраны сведения о текущих системах. Изучены существующие решения, разработаны планы возможных решений, представленные заказчику. Подготовлена отчётность по проекту.</a:t>
+            </a:r>
           </a:p>
         </p:txBody>
       </p:sp>
@@ -1475,6 +1549,25 @@
             <a:noAutofit/>
           </a:bodyPr>
           <a:lstStyle/>
+          <a:p>
+            <a:pPr marL="0" lvl="0" indent="0" algn="l" rtl="0">
+              <a:lnSpc>
+                <a:spcPct val="100000"/>
+              </a:lnSpc>
+              <a:spcBef>
+                <a:spcPts val="0"/>
+              </a:spcBef>
+              <a:spcAft>
+                <a:spcPts val="0"/>
+              </a:spcAft>
+              <a:buSzPts val="1400"/>
+              <a:buNone/>
+            </a:pPr>
+            <a:r>
+              <a:rPr lang="ru-RU" dirty="0" smtClean="0"/>
+              <a:t>Основной трудностью в ходе работы над проектом была коммуникация: сбор требований к решению и информации о существующих системах, поскольку ответственные за это лица загружены более приоритетными задачами.</a:t>
+            </a:r>
+          </a:p>
           <a:p>
             <a:pPr marL="0" lvl="0" indent="0" algn="l" rtl="0">
               <a:lnSpc>
@@ -1616,6 +1709,14 @@
               <a:buSzPts val="1400"/>
               <a:buNone/>
             </a:pPr>
+            <a:r>
+              <a:rPr lang="ru-RU" dirty="0" smtClean="0"/>
+              <a:t>Решение</a:t>
+            </a:r>
+            <a:r>
+              <a:rPr lang="ru-RU" baseline="0" dirty="0" smtClean="0"/>
+              <a:t> задач проекта лежит в балансе запросов университета, бизнеса и студентов, которым предстоит пользоваться ЛК.</a:t>
+            </a:r>
             <a:endParaRPr dirty="0"/>
           </a:p>
         </p:txBody>
@@ -1743,6 +1844,18 @@
               <a:buSzPts val="1400"/>
               <a:buNone/>
             </a:pPr>
+            <a:r>
+              <a:rPr lang="ru-RU" dirty="0" smtClean="0"/>
+              <a:t>Основной</a:t>
+            </a:r>
+            <a:r>
+              <a:rPr lang="en-US" baseline="0" dirty="0" smtClean="0"/>
+              <a:t> constraint</a:t>
+            </a:r>
+            <a:r>
+              <a:rPr lang="ru-RU" baseline="0" dirty="0" smtClean="0"/>
+              <a:t>, с которым я работал при выборе вариантов решения поставленных задач – решение не должно создавать дополнительной нагрузки на бизнес-пользователей. Оно должно быть удобным и быстрым для сотрудников Центра Карьеры.</a:t>
+            </a:r>
             <a:endParaRPr dirty="0"/>
           </a:p>
         </p:txBody>
@@ -1811,6 +1924,50 @@
               </a:spcAft>
               <a:buNone/>
             </a:pPr>
+            <a:r>
+              <a:rPr lang="ru-RU" dirty="0" smtClean="0"/>
+              <a:t>Поскольку</a:t>
+            </a:r>
+            <a:r>
+              <a:rPr lang="ru-RU" baseline="0" dirty="0" smtClean="0"/>
+              <a:t> новый ЛК работает на классическом </a:t>
+            </a:r>
+            <a:r>
+              <a:rPr lang="en-US" baseline="0" dirty="0" err="1" smtClean="0"/>
+              <a:t>php</a:t>
+            </a:r>
+            <a:r>
+              <a:rPr lang="en-US" baseline="0" dirty="0" smtClean="0"/>
+              <a:t> </a:t>
+            </a:r>
+            <a:r>
+              <a:rPr lang="ru-RU" baseline="0" dirty="0" smtClean="0"/>
+              <a:t>с использованием </a:t>
+            </a:r>
+            <a:r>
+              <a:rPr lang="en-US" baseline="0" dirty="0" err="1" smtClean="0"/>
+              <a:t>jquery</a:t>
+            </a:r>
+            <a:r>
+              <a:rPr lang="en-US" baseline="0" dirty="0" smtClean="0"/>
+              <a:t>, </a:t>
+            </a:r>
+            <a:r>
+              <a:rPr lang="ru-RU" baseline="0" dirty="0" smtClean="0"/>
+              <a:t>верным решением было бы адаптировать в страницы ЛК стабильные и проверенные системы управления контентом. Таковой можно считать </a:t>
+            </a:r>
+            <a:r>
+              <a:rPr lang="en-US" baseline="0" dirty="0" smtClean="0"/>
+              <a:t>CMS </a:t>
+            </a:r>
+            <a:r>
+              <a:rPr lang="en-US" baseline="0" dirty="0" err="1" smtClean="0"/>
+              <a:t>Wordpress</a:t>
+            </a:r>
+            <a:r>
+              <a:rPr lang="ru-RU" baseline="0" dirty="0" smtClean="0"/>
+              <a:t>.</a:t>
+            </a:r>
             <a:endParaRPr dirty="0"/>
           </a:p>
         </p:txBody>
@@ -1980,8 +2137,12 @@
               <a:buNone/>
             </a:pPr>
             <a:r>
-              <a:rPr lang="ru-RU" dirty="0"/>
-              <a:t>Спасибо за внимание.</a:t>
+              <a:rPr lang="ru-RU" dirty="0" smtClean="0"/>
+              <a:t>В следующем</a:t>
+            </a:r>
+            <a:r>
+              <a:rPr lang="ru-RU" baseline="0" dirty="0" smtClean="0"/>
+              <a:t> семестре, собрав команду разработчиков, мы планируем приступить к разработке прототипа системы.</a:t>
             </a:r>
             <a:endParaRPr dirty="0"/>
           </a:p>
@@ -7296,6 +7457,13 @@
   <p:transition>
     <p:fade thruBlk="1"/>
   </p:transition>
+  <p:timing>
+    <p:tnLst>
+      <p:par>
+        <p:cTn id="1" dur="indefinite" restart="never" nodeType="tmRoot"/>
+      </p:par>
+    </p:tnLst>
+  </p:timing>
 </p:sld>
 </file>
 
@@ -8231,6 +8399,13 @@
   <p:clrMapOvr>
     <a:masterClrMapping/>
   </p:clrMapOvr>
+  <p:timing>
+    <p:tnLst>
+      <p:par>
+        <p:cTn id="1" dur="indefinite" restart="never" nodeType="tmRoot"/>
+      </p:par>
+    </p:tnLst>
+  </p:timing>
 </p:sld>
 </file>
 
@@ -9145,6 +9320,13 @@
   <p:clrMapOvr>
     <a:masterClrMapping/>
   </p:clrMapOvr>
+  <p:timing>
+    <p:tnLst>
+      <p:par>
+        <p:cTn id="1" dur="indefinite" restart="never" nodeType="tmRoot"/>
+      </p:par>
+    </p:tnLst>
+  </p:timing>
 </p:sld>
 </file>
 
@@ -9330,8 +9512,21 @@
             </a:pPr>
             <a:r>
               <a:rPr lang="ru-RU" sz="1600" dirty="0"/>
-              <a:t>Изучили существующие решения, разработали и представили заказчику варианты решения</a:t>
+              <a:t>Изучили существующие решения, </a:t>
             </a:r>
+            <a:r>
+              <a:rPr lang="ru-RU" sz="1600" dirty="0" smtClean="0"/>
+              <a:t>разработали и </a:t>
+            </a:r>
+            <a:r>
+              <a:rPr lang="ru-RU" sz="1600" dirty="0"/>
+              <a:t>представили заказчику </a:t>
+            </a:r>
+            <a:r>
+              <a:rPr lang="ru-RU" sz="1600" dirty="0" smtClean="0"/>
+              <a:t>проекты решения</a:t>
+            </a:r>
+            <a:endParaRPr lang="ru-RU" sz="1600" dirty="0"/>
           </a:p>
           <a:p>
             <a:pPr marL="457200" lvl="0" indent="-457200" algn="l" rtl="0">
@@ -10341,7 +10536,7 @@
           <p:cNvPr id="13" name="Google Shape;307;p15">
             <a:extLst>
               <a:ext uri="{FF2B5EF4-FFF2-40B4-BE49-F238E27FC236}">
-                <a16:creationId xmlns:a16="http://schemas.microsoft.com/office/drawing/2014/main" id="{FAFA2E5E-6A89-4D4D-8FE7-45FD3CB554E4}"/>
+                <a16:creationId xmlns:a16="http://schemas.microsoft.com/office/drawing/2014/main" xmlns="" id="{FAFA2E5E-6A89-4D4D-8FE7-45FD3CB554E4}"/>
               </a:ext>
             </a:extLst>
           </p:cNvPr>

--- a/Prezentatsia.pptx
+++ b/Prezentatsia.pptx
@@ -22,14 +22,14 @@
   <p:notesSz cx="6858000" cy="9144000"/>
   <p:embeddedFontLst>
     <p:embeddedFont>
-      <p:font typeface="Quattrocento Sans" panose="020B0604020202020204" charset="0"/>
+      <p:font typeface="Lora" panose="020B0604020202020204" charset="-52"/>
       <p:regular r:id="rId12"/>
       <p:bold r:id="rId13"/>
       <p:italic r:id="rId14"/>
       <p:boldItalic r:id="rId15"/>
     </p:embeddedFont>
     <p:embeddedFont>
-      <p:font typeface="Lora" panose="020B0604020202020204" charset="-52"/>
+      <p:font typeface="Quattrocento Sans" panose="020B0604020202020204" charset="0"/>
       <p:regular r:id="rId16"/>
       <p:bold r:id="rId17"/>
       <p:italic r:id="rId18"/>
@@ -281,7 +281,7 @@
       </p15:sldGuideLst>
     </p:ext>
     <p:ext uri="http://customooxmlschemas.google.com/">
-      <go:slidesCustomData xmlns:go="http://customooxmlschemas.google.com/" xmlns:ahyp="http://schemas.microsoft.com/office/drawing/2018/hyperlinkcolor" xmlns:p15="http://schemas.microsoft.com/office/powerpoint/2012/main" xmlns:p14="http://schemas.microsoft.com/office/powerpoint/2010/main" xmlns:com="http://schemas.openxmlformats.org/drawingml/2006/compatibility" xmlns:pvml="urn:schemas-microsoft-com:office:powerpoint" xmlns:v="urn:schemas-microsoft-com:vml" xmlns:o="urn:schemas-microsoft-com:office:office" xmlns:dgm="http://schemas.openxmlformats.org/drawingml/2006/diagram" xmlns:c="http://schemas.openxmlformats.org/drawingml/2006/chart" xmlns:mv="urn:schemas-microsoft-com:mac:vml" xmlns:mc="http://schemas.openxmlformats.org/markup-compatibility/2006" xmlns="" r:id="rId39" roundtripDataSignature="AMtx7mjU2jFn832e7kSq34X3PLK16YZ9Jw=="/>
+      <go:slidesCustomData xmlns="" xmlns:mc="http://schemas.openxmlformats.org/markup-compatibility/2006" xmlns:mv="urn:schemas-microsoft-com:mac:vml" xmlns:c="http://schemas.openxmlformats.org/drawingml/2006/chart" xmlns:dgm="http://schemas.openxmlformats.org/drawingml/2006/diagram" xmlns:o="urn:schemas-microsoft-com:office:office" xmlns:v="urn:schemas-microsoft-com:vml" xmlns:pvml="urn:schemas-microsoft-com:office:powerpoint" xmlns:com="http://schemas.openxmlformats.org/drawingml/2006/compatibility" xmlns:p14="http://schemas.microsoft.com/office/powerpoint/2010/main" xmlns:p15="http://schemas.microsoft.com/office/powerpoint/2012/main" xmlns:ahyp="http://schemas.microsoft.com/office/drawing/2018/hyperlinkcolor" xmlns:go="http://customooxmlschemas.google.com/" r:id="rId39" roundtripDataSignature="AMtx7mjU2jFn832e7kSq34X3PLK16YZ9Jw=="/>
     </p:ext>
   </p:extLst>
 </p:presentation>
@@ -981,22 +981,6 @@
               <a:buSzPts val="1400"/>
               <a:buNone/>
             </a:pPr>
-            <a:r>
-              <a:rPr lang="ru-RU" dirty="0" smtClean="0"/>
-              <a:t>Проект</a:t>
-            </a:r>
-            <a:r>
-              <a:rPr lang="ru-RU" baseline="0" dirty="0" smtClean="0"/>
-              <a:t> «Личный Кабинет Центра Карьеры Московского </a:t>
-            </a:r>
-            <a:r>
-              <a:rPr lang="ru-RU" baseline="0" dirty="0" err="1" smtClean="0"/>
-              <a:t>Политеха</a:t>
-            </a:r>
-            <a:r>
-              <a:rPr lang="ru-RU" baseline="0" dirty="0" smtClean="0"/>
-              <a:t>» Наконечного П.А.</a:t>
-            </a:r>
             <a:endParaRPr dirty="0"/>
           </a:p>
         </p:txBody>
@@ -1124,41 +1108,6 @@
               <a:buSzPts val="1400"/>
               <a:buNone/>
             </a:pPr>
-            <a:r>
-              <a:rPr lang="ru-RU" dirty="0" smtClean="0"/>
-              <a:t>Целью проекта стало модернизировать</a:t>
-            </a:r>
-            <a:r>
-              <a:rPr lang="ru-RU" baseline="0" dirty="0" smtClean="0"/>
-              <a:t> раздел центра карьеры в Личном Кабинете студента и сотрудника Московского </a:t>
-            </a:r>
-            <a:r>
-              <a:rPr lang="ru-RU" baseline="0" dirty="0" err="1" smtClean="0"/>
-              <a:t>Политеха</a:t>
-            </a:r>
-            <a:r>
-              <a:rPr lang="ru-RU" baseline="0" dirty="0" smtClean="0"/>
-              <a:t>. В частности – адаптировать раздел к новому ЛК.</a:t>
-            </a:r>
-          </a:p>
-          <a:p>
-            <a:pPr marL="0" lvl="0" indent="0" algn="l" rtl="0">
-              <a:lnSpc>
-                <a:spcPct val="100000"/>
-              </a:lnSpc>
-              <a:spcBef>
-                <a:spcPts val="0"/>
-              </a:spcBef>
-              <a:spcAft>
-                <a:spcPts val="0"/>
-              </a:spcAft>
-              <a:buSzPts val="1400"/>
-              <a:buNone/>
-            </a:pPr>
-            <a:r>
-              <a:rPr lang="ru-RU" baseline="0" dirty="0" smtClean="0"/>
-              <a:t>Проект необходим для трудоустройства студентов по специальности. Центр Карьеры в стенах университета соединяет студентов и индустриальных партнёров, упрощая поиск работы.</a:t>
-            </a:r>
             <a:endParaRPr dirty="0"/>
           </a:p>
         </p:txBody>
@@ -1286,22 +1235,6 @@
               <a:buSzPts val="1400"/>
               <a:buNone/>
             </a:pPr>
-            <a:r>
-              <a:rPr lang="ru-RU" dirty="0" smtClean="0"/>
-              <a:t>Задачи проекта, обозначенные</a:t>
-            </a:r>
-            <a:r>
-              <a:rPr lang="ru-RU" baseline="0" dirty="0" smtClean="0"/>
-              <a:t> заказчиком,</a:t>
-            </a:r>
-            <a:r>
-              <a:rPr lang="ru-RU" dirty="0" smtClean="0"/>
-              <a:t> совпадают с основными</a:t>
-            </a:r>
-            <a:r>
-              <a:rPr lang="ru-RU" baseline="0" dirty="0" smtClean="0"/>
-              <a:t> техническими фрагментами в рамках ЛК.</a:t>
-            </a:r>
             <a:endParaRPr dirty="0"/>
           </a:p>
         </p:txBody>
@@ -1429,14 +1362,7 @@
               <a:buSzPts val="1400"/>
               <a:buNone/>
             </a:pPr>
-            <a:r>
-              <a:rPr lang="ru-RU" dirty="0" smtClean="0"/>
-              <a:t>За время семестра были сформулированы</a:t>
-            </a:r>
-            <a:r>
-              <a:rPr lang="ru-RU" baseline="0" dirty="0" smtClean="0"/>
-              <a:t> требования к решению. Описаны бизнес-процессы заказчика, собраны сведения о текущих системах. Изучены существующие решения, разработаны планы возможных решений, представленные заказчику. Подготовлена отчётность по проекту.</a:t>
-            </a:r>
+            <a:endParaRPr dirty="0"/>
           </a:p>
         </p:txBody>
       </p:sp>
@@ -1549,25 +1475,6 @@
             <a:noAutofit/>
           </a:bodyPr>
           <a:lstStyle/>
-          <a:p>
-            <a:pPr marL="0" lvl="0" indent="0" algn="l" rtl="0">
-              <a:lnSpc>
-                <a:spcPct val="100000"/>
-              </a:lnSpc>
-              <a:spcBef>
-                <a:spcPts val="0"/>
-              </a:spcBef>
-              <a:spcAft>
-                <a:spcPts val="0"/>
-              </a:spcAft>
-              <a:buSzPts val="1400"/>
-              <a:buNone/>
-            </a:pPr>
-            <a:r>
-              <a:rPr lang="ru-RU" dirty="0" smtClean="0"/>
-              <a:t>Основной трудностью в ходе работы над проектом была коммуникация: сбор требований к решению и информации о существующих системах, поскольку ответственные за это лица загружены более приоритетными задачами.</a:t>
-            </a:r>
-          </a:p>
           <a:p>
             <a:pPr marL="0" lvl="0" indent="0" algn="l" rtl="0">
               <a:lnSpc>
@@ -1709,14 +1616,6 @@
               <a:buSzPts val="1400"/>
               <a:buNone/>
             </a:pPr>
-            <a:r>
-              <a:rPr lang="ru-RU" dirty="0" smtClean="0"/>
-              <a:t>Решение</a:t>
-            </a:r>
-            <a:r>
-              <a:rPr lang="ru-RU" baseline="0" dirty="0" smtClean="0"/>
-              <a:t> задач проекта лежит в балансе запросов университета, бизнеса и студентов, которым предстоит пользоваться ЛК.</a:t>
-            </a:r>
             <a:endParaRPr dirty="0"/>
           </a:p>
         </p:txBody>
@@ -1844,18 +1743,6 @@
               <a:buSzPts val="1400"/>
               <a:buNone/>
             </a:pPr>
-            <a:r>
-              <a:rPr lang="ru-RU" dirty="0" smtClean="0"/>
-              <a:t>Основной</a:t>
-            </a:r>
-            <a:r>
-              <a:rPr lang="en-US" baseline="0" dirty="0" smtClean="0"/>
-              <a:t> constraint</a:t>
-            </a:r>
-            <a:r>
-              <a:rPr lang="ru-RU" baseline="0" dirty="0" smtClean="0"/>
-              <a:t>, с которым я работал при выборе вариантов решения поставленных задач – решение не должно создавать дополнительной нагрузки на бизнес-пользователей. Оно должно быть удобным и быстрым для сотрудников Центра Карьеры.</a:t>
-            </a:r>
             <a:endParaRPr dirty="0"/>
           </a:p>
         </p:txBody>
@@ -1924,50 +1811,6 @@
               </a:spcAft>
               <a:buNone/>
             </a:pPr>
-            <a:r>
-              <a:rPr lang="ru-RU" dirty="0" smtClean="0"/>
-              <a:t>Поскольку</a:t>
-            </a:r>
-            <a:r>
-              <a:rPr lang="ru-RU" baseline="0" dirty="0" smtClean="0"/>
-              <a:t> новый ЛК работает на классическом </a:t>
-            </a:r>
-            <a:r>
-              <a:rPr lang="en-US" baseline="0" dirty="0" err="1" smtClean="0"/>
-              <a:t>php</a:t>
-            </a:r>
-            <a:r>
-              <a:rPr lang="en-US" baseline="0" dirty="0" smtClean="0"/>
-              <a:t> </a:t>
-            </a:r>
-            <a:r>
-              <a:rPr lang="ru-RU" baseline="0" dirty="0" smtClean="0"/>
-              <a:t>с использованием </a:t>
-            </a:r>
-            <a:r>
-              <a:rPr lang="en-US" baseline="0" dirty="0" err="1" smtClean="0"/>
-              <a:t>jquery</a:t>
-            </a:r>
-            <a:r>
-              <a:rPr lang="en-US" baseline="0" dirty="0" smtClean="0"/>
-              <a:t>, </a:t>
-            </a:r>
-            <a:r>
-              <a:rPr lang="ru-RU" baseline="0" dirty="0" smtClean="0"/>
-              <a:t>верным решением было бы адаптировать в страницы ЛК стабильные и проверенные системы управления контентом. Таковой можно считать </a:t>
-            </a:r>
-            <a:r>
-              <a:rPr lang="en-US" baseline="0" dirty="0" smtClean="0"/>
-              <a:t>CMS </a:t>
-            </a:r>
-            <a:r>
-              <a:rPr lang="en-US" baseline="0" dirty="0" err="1" smtClean="0"/>
-              <a:t>Wordpress</a:t>
-            </a:r>
-            <a:r>
-              <a:rPr lang="ru-RU" baseline="0" dirty="0" smtClean="0"/>
-              <a:t>.</a:t>
-            </a:r>
             <a:endParaRPr dirty="0"/>
           </a:p>
         </p:txBody>
@@ -2137,12 +1980,8 @@
               <a:buNone/>
             </a:pPr>
             <a:r>
-              <a:rPr lang="ru-RU" dirty="0" smtClean="0"/>
-              <a:t>В следующем</a:t>
-            </a:r>
-            <a:r>
-              <a:rPr lang="ru-RU" baseline="0" dirty="0" smtClean="0"/>
-              <a:t> семестре, собрав команду разработчиков, мы планируем приступить к разработке прототипа системы.</a:t>
+              <a:rPr lang="ru-RU" dirty="0"/>
+              <a:t>Спасибо за внимание.</a:t>
             </a:r>
             <a:endParaRPr dirty="0"/>
           </a:p>
@@ -7457,13 +7296,6 @@
   <p:transition>
     <p:fade thruBlk="1"/>
   </p:transition>
-  <p:timing>
-    <p:tnLst>
-      <p:par>
-        <p:cTn id="1" dur="indefinite" restart="never" nodeType="tmRoot"/>
-      </p:par>
-    </p:tnLst>
-  </p:timing>
 </p:sld>
 </file>
 
@@ -8399,13 +8231,6 @@
   <p:clrMapOvr>
     <a:masterClrMapping/>
   </p:clrMapOvr>
-  <p:timing>
-    <p:tnLst>
-      <p:par>
-        <p:cTn id="1" dur="indefinite" restart="never" nodeType="tmRoot"/>
-      </p:par>
-    </p:tnLst>
-  </p:timing>
 </p:sld>
 </file>
 
@@ -9320,13 +9145,6 @@
   <p:clrMapOvr>
     <a:masterClrMapping/>
   </p:clrMapOvr>
-  <p:timing>
-    <p:tnLst>
-      <p:par>
-        <p:cTn id="1" dur="indefinite" restart="never" nodeType="tmRoot"/>
-      </p:par>
-    </p:tnLst>
-  </p:timing>
 </p:sld>
 </file>
 
@@ -9512,21 +9330,8 @@
             </a:pPr>
             <a:r>
               <a:rPr lang="ru-RU" sz="1600" dirty="0"/>
-              <a:t>Изучили существующие решения, </a:t>
+              <a:t>Изучили существующие решения, разработали и представили заказчику варианты решения</a:t>
             </a:r>
-            <a:r>
-              <a:rPr lang="ru-RU" sz="1600" dirty="0" smtClean="0"/>
-              <a:t>разработали и </a:t>
-            </a:r>
-            <a:r>
-              <a:rPr lang="ru-RU" sz="1600" dirty="0"/>
-              <a:t>представили заказчику </a:t>
-            </a:r>
-            <a:r>
-              <a:rPr lang="ru-RU" sz="1600" dirty="0" smtClean="0"/>
-              <a:t>проекты решения</a:t>
-            </a:r>
-            <a:endParaRPr lang="ru-RU" sz="1600" dirty="0"/>
           </a:p>
           <a:p>
             <a:pPr marL="457200" lvl="0" indent="-457200" algn="l" rtl="0">
@@ -10536,7 +10341,7 @@
           <p:cNvPr id="13" name="Google Shape;307;p15">
             <a:extLst>
               <a:ext uri="{FF2B5EF4-FFF2-40B4-BE49-F238E27FC236}">
-                <a16:creationId xmlns:a16="http://schemas.microsoft.com/office/drawing/2014/main" xmlns="" id="{FAFA2E5E-6A89-4D4D-8FE7-45FD3CB554E4}"/>
+                <a16:creationId xmlns:a16="http://schemas.microsoft.com/office/drawing/2014/main" id="{FAFA2E5E-6A89-4D4D-8FE7-45FD3CB554E4}"/>
               </a:ext>
             </a:extLst>
           </p:cNvPr>
